--- a/Project_Presentation.pptx
+++ b/Project_Presentation.pptx
@@ -107,6 +107,11 @@
       </a:defRPr>
     </a:lvl9pPr>
   </p:defaultTextStyle>
+  <p:extLst>
+    <p:ext uri="{EFAFB233-063F-42B5-8137-9DF3F51BA10A}">
+      <p15:sldGuideLst xmlns:p15="http://schemas.microsoft.com/office/powerpoint/2012/main"/>
+    </p:ext>
+  </p:extLst>
 </p:presentation>
 </file>
 
@@ -3342,7 +3347,9 @@
         </p:nvSpPr>
         <p:spPr/>
         <p:txBody>
-          <a:bodyPr/>
+          <a:bodyPr>
+            <a:normAutofit fontScale="90000"/>
+          </a:bodyPr>
           <a:lstStyle/>
           <a:p>
             <a:r>
@@ -3375,6 +3382,51 @@
               </a:rPr>
               <a:t>In Chicago the value of homes is positively correlated with resident income and neighborhood amenities. </a:t>
             </a:r>
+            <a:br>
+              <a:rPr lang="en-US" sz="3200" dirty="0">
+                <a:solidFill>
+                  <a:prstClr val="black"/>
+                </a:solidFill>
+              </a:rPr>
+            </a:br>
+            <a:endParaRPr lang="en-US" dirty="0"/>
+          </a:p>
+        </p:txBody>
+      </p:sp>
+      <p:sp>
+        <p:nvSpPr>
+          <p:cNvPr id="3" name="TextBox 2">
+            <a:extLst>
+              <a:ext uri="{FF2B5EF4-FFF2-40B4-BE49-F238E27FC236}">
+                <a16:creationId xmlns:a16="http://schemas.microsoft.com/office/drawing/2014/main" id="{7A3CC81F-FCF0-41F4-A2B2-6402DF372BD3}"/>
+              </a:ext>
+            </a:extLst>
+          </p:cNvPr>
+          <p:cNvSpPr txBox="1"/>
+          <p:nvPr/>
+        </p:nvSpPr>
+        <p:spPr>
+          <a:xfrm>
+            <a:off x="4235115" y="3970420"/>
+            <a:ext cx="6761748" cy="800219"/>
+          </a:xfrm>
+          <a:prstGeom prst="rect">
+            <a:avLst/>
+          </a:prstGeom>
+          <a:noFill/>
+        </p:spPr>
+        <p:txBody>
+          <a:bodyPr wrap="square" rtlCol="0">
+            <a:spAutoFit/>
+          </a:bodyPr>
+          <a:lstStyle/>
+          <a:p>
+            <a:r>
+              <a:rPr lang="en-US" sz="2800" dirty="0"/>
+              <a:t>Reject or Accept???????</a:t>
+            </a:r>
+          </a:p>
+          <a:p>
             <a:endParaRPr lang="en-US" dirty="0"/>
           </a:p>
         </p:txBody>
@@ -3452,10 +3504,48 @@
         </p:nvSpPr>
         <p:spPr/>
         <p:txBody>
-          <a:bodyPr/>
-          <a:lstStyle/>
-          <a:p>
-            <a:endParaRPr lang="en-US"/>
+          <a:bodyPr>
+            <a:normAutofit/>
+          </a:bodyPr>
+          <a:lstStyle/>
+          <a:p>
+            <a:r>
+              <a:rPr lang="en-US" dirty="0"/>
+              <a:t>Rental rate is linearly correlated with per capita income </a:t>
+            </a:r>
+          </a:p>
+          <a:p>
+            <a:r>
+              <a:rPr lang="en-US" dirty="0"/>
+              <a:t>Rental rate is linearly correlated with housing income </a:t>
+            </a:r>
+          </a:p>
+          <a:p>
+            <a:r>
+              <a:rPr lang="en-US" dirty="0"/>
+              <a:t>Rental rate is linearly correlated with poverty rate </a:t>
+            </a:r>
+          </a:p>
+          <a:p>
+            <a:r>
+              <a:rPr lang="en-US" dirty="0"/>
+              <a:t>rental rate is linearly correlated with neighborhood amenities </a:t>
+            </a:r>
+          </a:p>
+          <a:p>
+            <a:r>
+              <a:rPr lang="en-US" dirty="0"/>
+              <a:t> </a:t>
+            </a:r>
+          </a:p>
+          <a:p>
+            <a:r>
+              <a:rPr lang="en-US" dirty="0"/>
+              <a:t> </a:t>
+            </a:r>
+          </a:p>
+          <a:p>
+            <a:endParaRPr lang="en-US" dirty="0"/>
           </a:p>
         </p:txBody>
       </p:sp>
